--- a/森林道路识别.pptx
+++ b/森林道路识别.pptx
@@ -131,12 +131,12 @@
             <p14:sldId id="385"/>
             <p14:sldId id="387"/>
             <p14:sldId id="386"/>
+            <p14:sldId id="388"/>
             <p14:sldId id="389"/>
             <p14:sldId id="390"/>
             <p14:sldId id="391"/>
             <p14:sldId id="392"/>
             <p14:sldId id="393"/>
-            <p14:sldId id="388"/>
           </p14:sldIdLst>
         </p14:section>
         <p14:section name="无标题节" id="{b6e659d2-851f-47e0-b6ef-e6e638b45b64}">
@@ -7597,7 +7597,7 @@
               <a:t>2020/12/</a:t>
             </a:r>
             <a:r>
-              <a:rPr lang="" altLang="en-US" sz="1600" dirty="0">
+              <a:rPr lang="en-US" altLang="en-US" sz="1600" dirty="0">
                 <a:latin typeface="微软雅黑" panose="020B0503020204020204" pitchFamily="34" charset="-122"/>
                 <a:ea typeface="微软雅黑" panose="020B0503020204020204" pitchFamily="34" charset="-122"/>
               </a:rPr>
@@ -7618,13 +7618,20 @@
               </a:spcAft>
             </a:pPr>
             <a:r>
-              <a:rPr lang="zh-CN" altLang="" sz="1600" dirty="0">
+              <a:rPr lang="zh-CN" altLang="en-US" sz="1600" dirty="0">
                 <a:latin typeface="微软雅黑" panose="020B0503020204020204" pitchFamily="34" charset="-122"/>
                 <a:ea typeface="微软雅黑" panose="020B0503020204020204" pitchFamily="34" charset="-122"/>
               </a:rPr>
               <a:t>加入了道路面积判断，剔除因为传感器点云获取错误导致的点云面积较小的错误道路平面</a:t>
             </a:r>
-            <a:endParaRPr lang="zh-CN" altLang="" sz="1600" dirty="0">
+            <a:r>
+              <a:rPr lang="" altLang="zh-CN" sz="1600" dirty="0">
+                <a:latin typeface="微软雅黑" panose="020B0503020204020204" pitchFamily="34" charset="-122"/>
+                <a:ea typeface="微软雅黑" panose="020B0503020204020204" pitchFamily="34" charset="-122"/>
+              </a:rPr>
+              <a:t>qq</a:t>
+            </a:r>
+            <a:endParaRPr lang="" altLang="zh-CN" sz="1600" dirty="0">
               <a:latin typeface="微软雅黑" panose="020B0503020204020204" pitchFamily="34" charset="-122"/>
               <a:ea typeface="微软雅黑" panose="020B0503020204020204" pitchFamily="34" charset="-122"/>
             </a:endParaRPr>
